--- a/documents/Game Flyer.pptx
+++ b/documents/Game Flyer.pptx
@@ -3283,21 +3283,35 @@
                 <a:latin typeface="Mongolian Baiti" panose="03000500000000000000" pitchFamily="66" charset="0"/>
                 <a:cs typeface="Mongolian Baiti" panose="03000500000000000000" pitchFamily="66" charset="0"/>
               </a:rPr>
-              <a:t>But, no, Faye’s determined not to scolded this time.  She’ll be “responsible” and protect her cat by herself.  She decides to chase after </a:t>
+              <a:t>But, no, Faye’s </a:t>
             </a:r>
             <a:r>
               <a:rPr lang="en-US" dirty="0" smtClean="0">
                 <a:latin typeface="Mongolian Baiti" panose="03000500000000000000" pitchFamily="66" charset="0"/>
                 <a:cs typeface="Mongolian Baiti" panose="03000500000000000000" pitchFamily="66" charset="0"/>
               </a:rPr>
-              <a:t>him.  </a:t>
+              <a:t>determined </a:t>
             </a:r>
             <a:r>
               <a:rPr lang="en-US" smtClean="0">
                 <a:latin typeface="Mongolian Baiti" panose="03000500000000000000" pitchFamily="66" charset="0"/>
                 <a:cs typeface="Mongolian Baiti" panose="03000500000000000000" pitchFamily="66" charset="0"/>
               </a:rPr>
-              <a:t>On </a:t>
+              <a:t>to not be </a:t>
+            </a:r>
+            <a:r>
+              <a:rPr lang="en-US" dirty="0">
+                <a:latin typeface="Mongolian Baiti" panose="03000500000000000000" pitchFamily="66" charset="0"/>
+                <a:cs typeface="Mongolian Baiti" panose="03000500000000000000" pitchFamily="66" charset="0"/>
+              </a:rPr>
+              <a:t>scolded this time.  She’ll be “responsible” and protect her cat by herself.  She decides to chase after </a:t>
+            </a:r>
+            <a:r>
+              <a:rPr lang="en-US" dirty="0" smtClean="0">
+                <a:latin typeface="Mongolian Baiti" panose="03000500000000000000" pitchFamily="66" charset="0"/>
+                <a:cs typeface="Mongolian Baiti" panose="03000500000000000000" pitchFamily="66" charset="0"/>
+              </a:rPr>
+              <a:t>him.  On </a:t>
             </a:r>
             <a:r>
               <a:rPr lang="en-US" dirty="0">

--- a/documents/Game Flyer.pptx
+++ b/documents/Game Flyer.pptx
@@ -3222,7 +3222,35 @@
                 <a:latin typeface="Mongolian Baiti" panose="03000500000000000000" pitchFamily="66" charset="0"/>
                 <a:cs typeface="Mongolian Baiti" panose="03000500000000000000" pitchFamily="66" charset="0"/>
               </a:rPr>
-              <a:t>, a little girl studies without rest under a famous potions maker.  Nothing seems to go right for Faye, though.  She messes up even </a:t>
+              <a:t>, a little girl studies without rest under a famous potions maker.  Nothing seems to go right </a:t>
+            </a:r>
+            <a:r>
+              <a:rPr lang="en-US">
+                <a:latin typeface="Mongolian Baiti" panose="03000500000000000000" pitchFamily="66" charset="0"/>
+                <a:cs typeface="Mongolian Baiti" panose="03000500000000000000" pitchFamily="66" charset="0"/>
+              </a:rPr>
+              <a:t>for </a:t>
+            </a:r>
+            <a:r>
+              <a:rPr lang="en-US" smtClean="0">
+                <a:latin typeface="Mongolian Baiti" panose="03000500000000000000" pitchFamily="66" charset="0"/>
+                <a:cs typeface="Mongolian Baiti" panose="03000500000000000000" pitchFamily="66" charset="0"/>
+              </a:rPr>
+              <a:t>Faye.  </a:t>
+            </a:r>
+            <a:r>
+              <a:rPr lang="en-US" dirty="0" smtClean="0">
+                <a:latin typeface="Mongolian Baiti" panose="03000500000000000000" pitchFamily="66" charset="0"/>
+                <a:cs typeface="Mongolian Baiti" panose="03000500000000000000" pitchFamily="66" charset="0"/>
+              </a:rPr>
+              <a:t>She </a:t>
+            </a:r>
+            <a:r>
+              <a:rPr lang="en-US" dirty="0">
+                <a:latin typeface="Mongolian Baiti" panose="03000500000000000000" pitchFamily="66" charset="0"/>
+                <a:cs typeface="Mongolian Baiti" panose="03000500000000000000" pitchFamily="66" charset="0"/>
+              </a:rPr>
+              <a:t>messes up even </a:t>
             </a:r>
             <a:r>
               <a:rPr lang="en-US" dirty="0" smtClean="0">
@@ -3290,14 +3318,7 @@
                 <a:latin typeface="Mongolian Baiti" panose="03000500000000000000" pitchFamily="66" charset="0"/>
                 <a:cs typeface="Mongolian Baiti" panose="03000500000000000000" pitchFamily="66" charset="0"/>
               </a:rPr>
-              <a:t>determined </a:t>
-            </a:r>
-            <a:r>
-              <a:rPr lang="en-US" smtClean="0">
-                <a:latin typeface="Mongolian Baiti" panose="03000500000000000000" pitchFamily="66" charset="0"/>
-                <a:cs typeface="Mongolian Baiti" panose="03000500000000000000" pitchFamily="66" charset="0"/>
-              </a:rPr>
-              <a:t>to not be </a:t>
+              <a:t>determined to not be </a:t>
             </a:r>
             <a:r>
               <a:rPr lang="en-US" dirty="0">

--- a/documents/Game Flyer.pptx
+++ b/documents/Game Flyer.pptx
@@ -3078,7 +3078,7 @@
         </p:nvSpPr>
         <p:spPr>
           <a:xfrm>
-            <a:off x="2872167" y="4529235"/>
+            <a:off x="2761118" y="4529235"/>
             <a:ext cx="2512955" cy="1569660"/>
           </a:xfrm>
           <a:prstGeom prst="rect">
@@ -3222,28 +3222,14 @@
                 <a:latin typeface="Mongolian Baiti" panose="03000500000000000000" pitchFamily="66" charset="0"/>
                 <a:cs typeface="Mongolian Baiti" panose="03000500000000000000" pitchFamily="66" charset="0"/>
               </a:rPr>
-              <a:t>, a little girl studies without rest under a famous potions maker.  Nothing seems to go right </a:t>
-            </a:r>
-            <a:r>
-              <a:rPr lang="en-US">
-                <a:latin typeface="Mongolian Baiti" panose="03000500000000000000" pitchFamily="66" charset="0"/>
-                <a:cs typeface="Mongolian Baiti" panose="03000500000000000000" pitchFamily="66" charset="0"/>
-              </a:rPr>
-              <a:t>for </a:t>
-            </a:r>
-            <a:r>
-              <a:rPr lang="en-US" smtClean="0">
-                <a:latin typeface="Mongolian Baiti" panose="03000500000000000000" pitchFamily="66" charset="0"/>
-                <a:cs typeface="Mongolian Baiti" panose="03000500000000000000" pitchFamily="66" charset="0"/>
-              </a:rPr>
-              <a:t>Faye.  </a:t>
+              <a:t>, a little girl studies without rest under a famous potions maker.  Nothing seems to go right for </a:t>
             </a:r>
             <a:r>
               <a:rPr lang="en-US" dirty="0" smtClean="0">
                 <a:latin typeface="Mongolian Baiti" panose="03000500000000000000" pitchFamily="66" charset="0"/>
                 <a:cs typeface="Mongolian Baiti" panose="03000500000000000000" pitchFamily="66" charset="0"/>
               </a:rPr>
-              <a:t>She </a:t>
+              <a:t>Faye.  She </a:t>
             </a:r>
             <a:r>
               <a:rPr lang="en-US" dirty="0">

--- a/documents/Game Flyer.pptx
+++ b/documents/Game Flyer.pptx
@@ -3078,7 +3078,7 @@
         </p:nvSpPr>
         <p:spPr>
           <a:xfrm>
-            <a:off x="2761118" y="4529235"/>
+            <a:off x="2851270" y="4529235"/>
             <a:ext cx="2512955" cy="1569660"/>
           </a:xfrm>
           <a:prstGeom prst="rect">
